--- a/slides/Python course 0_introduction.pptx
+++ b/slides/Python course 0_introduction.pptx
@@ -3133,15 +3133,7 @@
           <a:p>
             <a:r>
               <a:rPr lang="en-US" altLang="zh-CN" sz="2400" i="1" dirty="0" smtClean="0"/>
-              <a:t>Learning to </a:t>
-            </a:r>
-            <a:r>
-              <a:rPr lang="en-US" altLang="zh-CN" sz="2400" i="1" dirty="0" smtClean="0"/>
-              <a:t>program is learning how to think as a </a:t>
-            </a:r>
-            <a:r>
-              <a:rPr lang="en-US" altLang="zh-CN" sz="2400" i="1" dirty="0" smtClean="0"/>
-              <a:t>programmer.</a:t>
+              <a:t>Learning to program is learning how to think as a programmer.</a:t>
             </a:r>
           </a:p>
           <a:p>
@@ -3163,6 +3155,13 @@
   <p:clrMapOvr>
     <a:masterClrMapping/>
   </p:clrMapOvr>
+  <p:timing>
+    <p:tnLst>
+      <p:par>
+        <p:cTn id="1" dur="indefinite" restart="never" nodeType="tmRoot"/>
+      </p:par>
+    </p:tnLst>
+  </p:timing>
 </p:sld>
 </file>
 
@@ -3229,23 +3228,7 @@
           <a:p>
             <a:r>
               <a:rPr lang="en-US" altLang="zh-CN" sz="2800" dirty="0" smtClean="0"/>
-              <a:t>We have chosen to use </a:t>
-            </a:r>
-            <a:r>
-              <a:rPr lang="en-US" altLang="zh-CN" sz="2800" dirty="0" smtClean="0"/>
-              <a:t>the Python </a:t>
-            </a:r>
-            <a:r>
-              <a:rPr lang="en-US" altLang="zh-CN" sz="2800" dirty="0" smtClean="0"/>
-              <a:t>programming language because it combines remarkable </a:t>
-            </a:r>
-            <a:r>
-              <a:rPr lang="en-US" altLang="zh-CN" sz="2800" dirty="0" smtClean="0"/>
-              <a:t>power with </a:t>
-            </a:r>
-            <a:r>
-              <a:rPr lang="en-US" altLang="zh-CN" sz="2800" dirty="0" smtClean="0"/>
-              <a:t>very </a:t>
+              <a:t>We have chosen to use the Python programming language because it combines remarkable power with very </a:t>
             </a:r>
             <a:r>
               <a:rPr lang="en-US" altLang="zh-CN" sz="2800" dirty="0" smtClean="0">
@@ -3265,31 +3248,11 @@
                   <a:srgbClr val="FF0000"/>
                 </a:solidFill>
               </a:rPr>
-              <a:t>easy to </a:t>
-            </a:r>
-            <a:r>
-              <a:rPr lang="en-US" altLang="zh-CN" sz="2800" dirty="0" smtClean="0">
-                <a:solidFill>
-                  <a:srgbClr val="FF0000"/>
-                </a:solidFill>
-              </a:rPr>
-              <a:t>learn</a:t>
+              <a:t>easy to learn</a:t>
             </a:r>
             <a:r>
               <a:rPr lang="en-US" altLang="zh-CN" sz="2800" dirty="0" smtClean="0"/>
-              <a:t> and </a:t>
-            </a:r>
-            <a:r>
-              <a:rPr lang="en-US" altLang="zh-CN" sz="2800" dirty="0" smtClean="0"/>
-              <a:t>very well suited for an introduction to computer </a:t>
-            </a:r>
-            <a:r>
-              <a:rPr lang="en-US" altLang="zh-CN" sz="2800" dirty="0" smtClean="0"/>
-              <a:t>programming. Python </a:t>
-            </a:r>
-            <a:r>
-              <a:rPr lang="en-US" altLang="zh-CN" sz="2800" dirty="0" smtClean="0"/>
-              <a:t>is also </a:t>
+              <a:t> and very well suited for an introduction to computer programming. Python is also </a:t>
             </a:r>
             <a:r>
               <a:rPr lang="en-US" altLang="zh-CN" sz="2800" dirty="0" smtClean="0">
@@ -3309,15 +3272,7 @@
             </a:r>
             <a:r>
               <a:rPr lang="en-US" altLang="zh-CN" sz="2800" dirty="0" smtClean="0"/>
-              <a:t> and a good language for </a:t>
-            </a:r>
-            <a:r>
-              <a:rPr lang="en-US" altLang="zh-CN" sz="2800" dirty="0" smtClean="0"/>
-              <a:t>doing mathematical </a:t>
-            </a:r>
-            <a:r>
-              <a:rPr lang="en-US" altLang="zh-CN" sz="2800" dirty="0" smtClean="0"/>
-              <a:t>computing. It is easy to </a:t>
+              <a:t> and a good language for doing mathematical computing. It is easy to </a:t>
             </a:r>
             <a:r>
               <a:rPr lang="en-US" altLang="zh-CN" sz="2800" dirty="0" smtClean="0">
@@ -3325,35 +3280,11 @@
                   <a:srgbClr val="FF0000"/>
                 </a:solidFill>
               </a:rPr>
-              <a:t>combine Python with </a:t>
-            </a:r>
-            <a:r>
-              <a:rPr lang="en-US" altLang="zh-CN" sz="2800" dirty="0" smtClean="0">
-                <a:solidFill>
-                  <a:srgbClr val="FF0000"/>
-                </a:solidFill>
-              </a:rPr>
-              <a:t>compiled languages</a:t>
-            </a:r>
-            <a:r>
-              <a:rPr lang="en-US" altLang="zh-CN" sz="2800" dirty="0" smtClean="0">
-                <a:solidFill>
-                  <a:srgbClr val="FF0000"/>
-                </a:solidFill>
-              </a:rPr>
-              <a:t>, like Fortran, C, and C++</a:t>
+              <a:t>combine Python with compiled languages, like Fortran, C, and C++</a:t>
             </a:r>
             <a:r>
               <a:rPr lang="en-US" altLang="zh-CN" sz="2800" dirty="0" smtClean="0"/>
-              <a:t>, which are widely used </a:t>
-            </a:r>
-            <a:r>
-              <a:rPr lang="en-US" altLang="zh-CN" sz="2800" dirty="0" smtClean="0"/>
-              <a:t>languages for </a:t>
-            </a:r>
-            <a:r>
-              <a:rPr lang="en-US" altLang="zh-CN" sz="2800" dirty="0" smtClean="0"/>
-              <a:t>scientific computations. </a:t>
+              <a:t>, which are widely used languages for scientific computations. </a:t>
             </a:r>
             <a:endParaRPr lang="zh-CN" altLang="en-US" sz="2800" dirty="0"/>
           </a:p>
@@ -3364,6 +3295,13 @@
   <p:clrMapOvr>
     <a:masterClrMapping/>
   </p:clrMapOvr>
+  <p:timing>
+    <p:tnLst>
+      <p:par>
+        <p:cTn id="1" dur="indefinite" restart="never" nodeType="tmRoot"/>
+      </p:par>
+    </p:tnLst>
+  </p:timing>
 </p:sld>
 </file>
 
@@ -3609,7 +3547,6 @@
               <a:rPr lang="en-US" altLang="zh-CN" dirty="0" smtClean="0"/>
               <a:t>Zero-based</a:t>
             </a:r>
-            <a:endParaRPr lang="en-US" altLang="zh-CN" dirty="0" smtClean="0"/>
           </a:p>
           <a:p>
             <a:r>
@@ -3857,6 +3794,21 @@
               <a:rPr lang="en-US" altLang="zh-CN" dirty="0" smtClean="0"/>
               <a:t> Floor, Synfuels Main Building</a:t>
             </a:r>
+          </a:p>
+          <a:p>
+            <a:r>
+              <a:rPr lang="en-US" altLang="zh-CN" dirty="0" smtClean="0">
+                <a:hlinkClick r:id="rId2"/>
+              </a:rPr>
+              <a:t>https://</a:t>
+            </a:r>
+            <a:r>
+              <a:rPr lang="en-US" altLang="zh-CN" dirty="0" smtClean="0">
+                <a:hlinkClick r:id="rId2"/>
+              </a:rPr>
+              <a:t>github.com/renpj/python_course</a:t>
+            </a:r>
+            <a:endParaRPr lang="en-US" altLang="zh-CN" dirty="0" smtClean="0"/>
           </a:p>
           <a:p>
             <a:endParaRPr lang="en-US" altLang="zh-CN" dirty="0" smtClean="0"/>
